--- a/程序/程序/programme/two qubit gate/CZgate/IBM/ppt/freqs.pptx
+++ b/程序/程序/programme/two qubit gate/CZgate/IBM/ppt/freqs.pptx
@@ -106,7 +106,7 @@
   </p:defaultTextStyle>
   <p:extLst>
     <p:ext uri="{EFAFB233-063F-42B5-8137-9DF3F51BA10A}">
-      <p15:sldGuideLst xmlns:p15="http://schemas.microsoft.com/office/powerpoint/2012/main"/>
+      <p15:sldGuideLst xmlns:p15="http://schemas.microsoft.com/office/powerpoint/2012/main" xmlns=""/>
     </p:ext>
   </p:extLst>
 </p:presentation>
@@ -243,7 +243,7 @@
           <a:p>
             <a:fld id="{51F9C54A-8A78-4046-BFBB-B9BBE86E63CF}" type="datetimeFigureOut">
               <a:rPr lang="zh-CN" altLang="en-US" smtClean="0"/>
-              <a:t>2017/11/7</a:t>
+              <a:t>2017/12/3</a:t>
             </a:fld>
             <a:endParaRPr lang="zh-CN" altLang="en-US"/>
           </a:p>
@@ -413,7 +413,7 @@
           <a:p>
             <a:fld id="{51F9C54A-8A78-4046-BFBB-B9BBE86E63CF}" type="datetimeFigureOut">
               <a:rPr lang="zh-CN" altLang="en-US" smtClean="0"/>
-              <a:t>2017/11/7</a:t>
+              <a:t>2017/12/3</a:t>
             </a:fld>
             <a:endParaRPr lang="zh-CN" altLang="en-US"/>
           </a:p>
@@ -593,7 +593,7 @@
           <a:p>
             <a:fld id="{51F9C54A-8A78-4046-BFBB-B9BBE86E63CF}" type="datetimeFigureOut">
               <a:rPr lang="zh-CN" altLang="en-US" smtClean="0"/>
-              <a:t>2017/11/7</a:t>
+              <a:t>2017/12/3</a:t>
             </a:fld>
             <a:endParaRPr lang="zh-CN" altLang="en-US"/>
           </a:p>
@@ -763,7 +763,7 @@
           <a:p>
             <a:fld id="{51F9C54A-8A78-4046-BFBB-B9BBE86E63CF}" type="datetimeFigureOut">
               <a:rPr lang="zh-CN" altLang="en-US" smtClean="0"/>
-              <a:t>2017/11/7</a:t>
+              <a:t>2017/12/3</a:t>
             </a:fld>
             <a:endParaRPr lang="zh-CN" altLang="en-US"/>
           </a:p>
@@ -1009,7 +1009,7 @@
           <a:p>
             <a:fld id="{51F9C54A-8A78-4046-BFBB-B9BBE86E63CF}" type="datetimeFigureOut">
               <a:rPr lang="zh-CN" altLang="en-US" smtClean="0"/>
-              <a:t>2017/11/7</a:t>
+              <a:t>2017/12/3</a:t>
             </a:fld>
             <a:endParaRPr lang="zh-CN" altLang="en-US"/>
           </a:p>
@@ -1241,7 +1241,7 @@
           <a:p>
             <a:fld id="{51F9C54A-8A78-4046-BFBB-B9BBE86E63CF}" type="datetimeFigureOut">
               <a:rPr lang="zh-CN" altLang="en-US" smtClean="0"/>
-              <a:t>2017/11/7</a:t>
+              <a:t>2017/12/3</a:t>
             </a:fld>
             <a:endParaRPr lang="zh-CN" altLang="en-US"/>
           </a:p>
@@ -1608,7 +1608,7 @@
           <a:p>
             <a:fld id="{51F9C54A-8A78-4046-BFBB-B9BBE86E63CF}" type="datetimeFigureOut">
               <a:rPr lang="zh-CN" altLang="en-US" smtClean="0"/>
-              <a:t>2017/11/7</a:t>
+              <a:t>2017/12/3</a:t>
             </a:fld>
             <a:endParaRPr lang="zh-CN" altLang="en-US"/>
           </a:p>
@@ -1726,7 +1726,7 @@
           <a:p>
             <a:fld id="{51F9C54A-8A78-4046-BFBB-B9BBE86E63CF}" type="datetimeFigureOut">
               <a:rPr lang="zh-CN" altLang="en-US" smtClean="0"/>
-              <a:t>2017/11/7</a:t>
+              <a:t>2017/12/3</a:t>
             </a:fld>
             <a:endParaRPr lang="zh-CN" altLang="en-US"/>
           </a:p>
@@ -1821,7 +1821,7 @@
           <a:p>
             <a:fld id="{51F9C54A-8A78-4046-BFBB-B9BBE86E63CF}" type="datetimeFigureOut">
               <a:rPr lang="zh-CN" altLang="en-US" smtClean="0"/>
-              <a:t>2017/11/7</a:t>
+              <a:t>2017/12/3</a:t>
             </a:fld>
             <a:endParaRPr lang="zh-CN" altLang="en-US"/>
           </a:p>
@@ -2098,7 +2098,7 @@
           <a:p>
             <a:fld id="{51F9C54A-8A78-4046-BFBB-B9BBE86E63CF}" type="datetimeFigureOut">
               <a:rPr lang="zh-CN" altLang="en-US" smtClean="0"/>
-              <a:t>2017/11/7</a:t>
+              <a:t>2017/12/3</a:t>
             </a:fld>
             <a:endParaRPr lang="zh-CN" altLang="en-US"/>
           </a:p>
@@ -2351,7 +2351,7 @@
           <a:p>
             <a:fld id="{51F9C54A-8A78-4046-BFBB-B9BBE86E63CF}" type="datetimeFigureOut">
               <a:rPr lang="zh-CN" altLang="en-US" smtClean="0"/>
-              <a:t>2017/11/7</a:t>
+              <a:t>2017/12/3</a:t>
             </a:fld>
             <a:endParaRPr lang="zh-CN" altLang="en-US"/>
           </a:p>
@@ -2564,7 +2564,7 @@
           <a:p>
             <a:fld id="{51F9C54A-8A78-4046-BFBB-B9BBE86E63CF}" type="datetimeFigureOut">
               <a:rPr lang="zh-CN" altLang="en-US" smtClean="0"/>
-              <a:t>2017/11/7</a:t>
+              <a:t>2017/12/3</a:t>
             </a:fld>
             <a:endParaRPr lang="zh-CN" altLang="en-US"/>
           </a:p>
@@ -3059,7 +3059,7 @@
           <a:graphicData uri="http://schemas.openxmlformats.org/presentationml/2006/ole">
             <mc:AlternateContent xmlns:mc="http://schemas.openxmlformats.org/markup-compatibility/2006">
               <mc:Choice xmlns:v="urn:schemas-microsoft-com:vml" Requires="v">
-                <p:oleObj spid="_x0000_s1031" name="Worksheet" r:id="rId4" imgW="10401194" imgH="1196261" progId="Excel.Sheet.12">
+                <p:oleObj spid="_x0000_s1037" name="Worksheet" r:id="rId4" imgW="10401194" imgH="1196261" progId="Excel.Sheet.12">
                   <p:embed/>
                 </p:oleObj>
               </mc:Choice>
@@ -3116,7 +3116,7 @@
           <a:graphicData uri="http://schemas.openxmlformats.org/presentationml/2006/ole">
             <mc:AlternateContent xmlns:mc="http://schemas.openxmlformats.org/markup-compatibility/2006">
               <mc:Choice xmlns:v="urn:schemas-microsoft-com:vml" Requires="v">
-                <p:oleObj spid="_x0000_s1032" name="Worksheet" r:id="rId6" imgW="10401194" imgH="1196261" progId="Excel.Sheet.12">
+                <p:oleObj spid="_x0000_s1038" name="Worksheet" r:id="rId6" imgW="10401194" imgH="1196261" progId="Excel.Sheet.12">
                   <p:embed/>
                 </p:oleObj>
               </mc:Choice>
@@ -3179,7 +3179,7 @@
                 <a:gridCol w="436418">
                   <a:extLst>
                     <a:ext uri="{9D8B030D-6E8A-4147-A177-3AD203B41FA5}">
-                      <a16:colId xmlns:a16="http://schemas.microsoft.com/office/drawing/2014/main" val="2765196855"/>
+                      <a16:colId xmlns:a16="http://schemas.microsoft.com/office/drawing/2014/main" xmlns="" val="2765196855"/>
                     </a:ext>
                   </a:extLst>
                 </a:gridCol>
@@ -3208,7 +3208,7 @@
                 </a:tc>
                 <a:extLst>
                   <a:ext uri="{0D108BD9-81ED-4DB2-BD59-A6C34878D82A}">
-                    <a16:rowId xmlns:a16="http://schemas.microsoft.com/office/drawing/2014/main" val="3247377756"/>
+                    <a16:rowId xmlns:a16="http://schemas.microsoft.com/office/drawing/2014/main" xmlns="" val="3247377756"/>
                   </a:ext>
                 </a:extLst>
               </a:tr>
@@ -3269,7 +3269,7 @@
                 </a:tc>
                 <a:extLst>
                   <a:ext uri="{0D108BD9-81ED-4DB2-BD59-A6C34878D82A}">
-                    <a16:rowId xmlns:a16="http://schemas.microsoft.com/office/drawing/2014/main" val="4284672579"/>
+                    <a16:rowId xmlns:a16="http://schemas.microsoft.com/office/drawing/2014/main" xmlns="" val="4284672579"/>
                   </a:ext>
                 </a:extLst>
               </a:tr>
@@ -3330,7 +3330,7 @@
                 </a:tc>
                 <a:extLst>
                   <a:ext uri="{0D108BD9-81ED-4DB2-BD59-A6C34878D82A}">
-                    <a16:rowId xmlns:a16="http://schemas.microsoft.com/office/drawing/2014/main" val="3727921540"/>
+                    <a16:rowId xmlns:a16="http://schemas.microsoft.com/office/drawing/2014/main" xmlns="" val="3727921540"/>
                   </a:ext>
                 </a:extLst>
               </a:tr>
@@ -3391,7 +3391,7 @@
                 </a:tc>
                 <a:extLst>
                   <a:ext uri="{0D108BD9-81ED-4DB2-BD59-A6C34878D82A}">
-                    <a16:rowId xmlns:a16="http://schemas.microsoft.com/office/drawing/2014/main" val="1786821240"/>
+                    <a16:rowId xmlns:a16="http://schemas.microsoft.com/office/drawing/2014/main" xmlns="" val="1786821240"/>
                   </a:ext>
                 </a:extLst>
               </a:tr>
@@ -3430,7 +3430,7 @@
                 </a:tc>
                 <a:extLst>
                   <a:ext uri="{0D108BD9-81ED-4DB2-BD59-A6C34878D82A}">
-                    <a16:rowId xmlns:a16="http://schemas.microsoft.com/office/drawing/2014/main" val="240625159"/>
+                    <a16:rowId xmlns:a16="http://schemas.microsoft.com/office/drawing/2014/main" xmlns="" val="240625159"/>
                   </a:ext>
                 </a:extLst>
               </a:tr>
@@ -3469,7 +3469,7 @@
                 </a:tc>
                 <a:extLst>
                   <a:ext uri="{0D108BD9-81ED-4DB2-BD59-A6C34878D82A}">
-                    <a16:rowId xmlns:a16="http://schemas.microsoft.com/office/drawing/2014/main" val="3810607347"/>
+                    <a16:rowId xmlns:a16="http://schemas.microsoft.com/office/drawing/2014/main" xmlns="" val="3810607347"/>
                   </a:ext>
                 </a:extLst>
               </a:tr>
@@ -3486,7 +3486,7 @@
                 </a:tc>
                 <a:extLst>
                   <a:ext uri="{0D108BD9-81ED-4DB2-BD59-A6C34878D82A}">
-                    <a16:rowId xmlns:a16="http://schemas.microsoft.com/office/drawing/2014/main" val="1792650106"/>
+                    <a16:rowId xmlns:a16="http://schemas.microsoft.com/office/drawing/2014/main" xmlns="" val="1792650106"/>
                   </a:ext>
                 </a:extLst>
               </a:tr>
@@ -3573,7 +3573,15 @@
             </a:r>
             <a:r>
               <a:rPr lang="en-US" altLang="zh-CN" sz="1400" dirty="0"/>
-              <a:t>) is the difference between the frequency of the 1-2 transition and the 0-1 transition. That is, it is given by </a:t>
+              <a:t>) is the </a:t>
+            </a:r>
+            <a:r>
+              <a:rPr lang="en-US" altLang="zh-CN" sz="1400" dirty="0" smtClean="0"/>
+              <a:t>difference </a:t>
+            </a:r>
+            <a:r>
+              <a:rPr lang="en-US" altLang="zh-CN" sz="1400" dirty="0"/>
+              <a:t>between the frequency of the 1-2 transition and the 0-1 transition. That is, it is given by </a:t>
             </a:r>
             <a:r>
               <a:rPr lang="en-US" altLang="zh-CN" sz="1400" dirty="0" err="1"/>
@@ -3669,7 +3677,7 @@
     </a:clrScheme>
     <a:fontScheme name="Office">
       <a:majorFont>
-        <a:latin typeface="等线 Light" panose="020F0302020204030204"/>
+        <a:latin typeface="等线 Light"/>
         <a:ea typeface=""/>
         <a:cs typeface=""/>
         <a:font script="Jpan" typeface="游ゴシック Light"/>
@@ -3704,7 +3712,7 @@
         <a:font script="Geor" typeface="Sylfaen"/>
       </a:majorFont>
       <a:minorFont>
-        <a:latin typeface="等线" panose="020F0502020204030204"/>
+        <a:latin typeface="等线"/>
         <a:ea typeface=""/>
         <a:cs typeface=""/>
         <a:font script="Jpan" typeface="游ゴシック"/>
@@ -3881,7 +3889,7 @@
   <a:extraClrSchemeLst/>
   <a:extLst>
     <a:ext uri="{05A4C25C-085E-4340-85A3-A5531E510DB2}">
-      <thm15:themeFamily xmlns:thm15="http://schemas.microsoft.com/office/thememl/2012/main" name="Office Theme" id="{62F939B6-93AF-4DB8-9C6B-D6C7DFDC589F}" vid="{4A3C46E8-61CC-4603-A589-7422A47A8E4A}"/>
+      <thm15:themeFamily xmlns:thm15="http://schemas.microsoft.com/office/thememl/2012/main" xmlns="" name="Office Theme" id="{62F939B6-93AF-4DB8-9C6B-D6C7DFDC589F}" vid="{4A3C46E8-61CC-4603-A589-7422A47A8E4A}"/>
     </a:ext>
   </a:extLst>
 </a:theme>
